--- a/Симулација на слаби клучеви во ДЕС.pptx
+++ b/Симулација на слаби клучеви во ДЕС.pptx
@@ -3626,7 +3626,7 @@
                   <a:schemeClr val="tx1"/>
                 </a:solidFill>
               </a:rPr>
-              <a:t>Оваа својство се должи заради распоредот како се генерираат клучевите, односно едниот го генерира првиот во парот, другиот го генерира вториот во парот во првата </a:t>
+              <a:t>Ова својство се должи заради распоредот како се генерираат клучевите, односно едниот го генерира првиот во парот, другиот го генерира вториот во парот во првата </a:t>
             </a:r>
             <a:r>
               <a:rPr lang="mk-MK" dirty="0" err="1">
@@ -4114,8 +4114,8 @@
           </a:p>
         </p:txBody>
       </p:sp>
-      <mc:AlternateContent xmlns:mc="http://schemas.openxmlformats.org/markup-compatibility/2006" xmlns:a14="http://schemas.microsoft.com/office/drawing/2010/main">
-        <mc:Choice Requires="a14">
+      <mc:AlternateContent xmlns:mc="http://schemas.openxmlformats.org/markup-compatibility/2006">
+        <mc:Choice xmlns:a14="http://schemas.microsoft.com/office/drawing/2010/main" Requires="a14">
           <p:sp>
             <p:nvSpPr>
               <p:cNvPr id="3" name="Content Placeholder 2">
@@ -4159,23 +4159,7 @@
                       <a:schemeClr val="tx1"/>
                     </a:solidFill>
                   </a:rPr>
-                  <a:t>ни претставува </a:t>
-                </a:r>
-                <a:r>
-                  <a:rPr lang="mk-MK" dirty="0" err="1">
-                    <a:solidFill>
-                      <a:schemeClr val="tx1"/>
-                    </a:solidFill>
-                  </a:rPr>
-                  <a:t>симтетричен</a:t>
-                </a:r>
-                <a:r>
-                  <a:rPr lang="mk-MK" dirty="0">
-                    <a:solidFill>
-                      <a:schemeClr val="tx1"/>
-                    </a:solidFill>
-                  </a:rPr>
-                  <a:t> </a:t>
+                  <a:t>ни претставува симетричен </a:t>
                 </a:r>
                 <a:r>
                   <a:rPr lang="mk-MK" dirty="0" err="1">
@@ -4199,7 +4183,7 @@
                       <a:schemeClr val="tx1"/>
                     </a:solidFill>
                   </a:rPr>
-                  <a:t>фесителови</a:t>
+                  <a:t>Феистелови</a:t>
                 </a:r>
                 <a:r>
                   <a:rPr lang="mk-MK" dirty="0">
@@ -4369,7 +4353,7 @@
                       <a:schemeClr val="tx1"/>
                     </a:solidFill>
                   </a:rPr>
-                  <a:t>  заради испуштањето на секој 8ми бит.</a:t>
+                  <a:t>  заради испуштањето на секој 8-ми бит.</a:t>
                 </a:r>
               </a:p>
               <a:p>
@@ -4410,7 +4394,7 @@
             </p:txBody>
           </p:sp>
         </mc:Choice>
-        <mc:Fallback xmlns="">
+        <mc:Fallback>
           <p:sp>
             <p:nvSpPr>
               <p:cNvPr id="3" name="Content Placeholder 2">
@@ -4435,7 +4419,7 @@
               <a:blipFill>
                 <a:blip r:embed="rId2"/>
                 <a:stretch>
-                  <a:fillRect l="-309" t="-1964" r="-803"/>
+                  <a:fillRect l="-309" t="-1964" r="-62"/>
                 </a:stretch>
               </a:blipFill>
             </p:spPr>
@@ -4617,7 +4601,7 @@
                   <a:schemeClr val="tx1"/>
                 </a:solidFill>
               </a:rPr>
-              <a:t>конктатенираните</a:t>
+              <a:t>конкатенираните</a:t>
             </a:r>
             <a:r>
               <a:rPr lang="mk-MK" dirty="0">
